--- a/Presentation.pptx
+++ b/Presentation.pptx
@@ -5,7 +5,7 @@
     <p:sldMasterId id="2147483648" r:id="rId1"/>
   </p:sldMasterIdLst>
   <p:notesMasterIdLst>
-    <p:notesMasterId r:id="rId13"/>
+    <p:notesMasterId r:id="rId14"/>
   </p:notesMasterIdLst>
   <p:sldIdLst>
     <p:sldId id="256" r:id="rId2"/>
@@ -14,11 +14,12 @@
     <p:sldId id="266" r:id="rId5"/>
     <p:sldId id="258" r:id="rId6"/>
     <p:sldId id="260" r:id="rId7"/>
-    <p:sldId id="264" r:id="rId8"/>
-    <p:sldId id="265" r:id="rId9"/>
-    <p:sldId id="261" r:id="rId10"/>
-    <p:sldId id="263" r:id="rId11"/>
-    <p:sldId id="262" r:id="rId12"/>
+    <p:sldId id="267" r:id="rId8"/>
+    <p:sldId id="264" r:id="rId9"/>
+    <p:sldId id="265" r:id="rId10"/>
+    <p:sldId id="261" r:id="rId11"/>
+    <p:sldId id="263" r:id="rId12"/>
+    <p:sldId id="262" r:id="rId13"/>
   </p:sldIdLst>
   <p:sldSz cx="9144000" cy="6858000" type="screen4x3"/>
   <p:notesSz cx="6858000" cy="9144000"/>
@@ -202,7 +203,7 @@
           <a:p>
             <a:fld id="{473C0AA1-1386-9B45-9997-0E648F75855B}" type="datetimeFigureOut">
               <a:rPr lang="en-US" smtClean="0"/>
-              <a:t>7/23/14</a:t>
+              <a:t>7/24/14</a:t>
             </a:fld>
             <a:endParaRPr lang="en-US"/>
           </a:p>
@@ -516,6 +517,108 @@
           <a:p>
             <a:r>
               <a:rPr lang="en-US" dirty="0" smtClean="0"/>
+              <a:t>Don’t talk about predictive</a:t>
+            </a:r>
+            <a:r>
+              <a:rPr lang="en-US" baseline="0" dirty="0" smtClean="0"/>
+              <a:t> power until the end: “…And here’s the best part!”</a:t>
+            </a:r>
+          </a:p>
+          <a:p>
+            <a:r>
+              <a:rPr lang="en-US" baseline="0" dirty="0" smtClean="0"/>
+              <a:t>Also, remember to mention </a:t>
+            </a:r>
+            <a:r>
+              <a:rPr lang="en-US" baseline="0" smtClean="0"/>
+              <a:t>ruby with CSVs and D3</a:t>
+            </a:r>
+            <a:endParaRPr lang="en-US"/>
+          </a:p>
+        </p:txBody>
+      </p:sp>
+      <p:sp>
+        <p:nvSpPr>
+          <p:cNvPr id="4" name="Slide Number Placeholder 3"/>
+          <p:cNvSpPr>
+            <a:spLocks noGrp="1"/>
+          </p:cNvSpPr>
+          <p:nvPr>
+            <p:ph type="sldNum" sz="quarter" idx="10"/>
+          </p:nvPr>
+        </p:nvSpPr>
+        <p:spPr/>
+        <p:txBody>
+          <a:bodyPr/>
+          <a:lstStyle/>
+          <a:p>
+            <a:fld id="{D212B6DC-CD76-7345-94D5-CE7C1C73AD97}" type="slidenum">
+              <a:rPr lang="en-US" smtClean="0"/>
+              <a:t>1</a:t>
+            </a:fld>
+            <a:endParaRPr lang="en-US"/>
+          </a:p>
+        </p:txBody>
+      </p:sp>
+    </p:spTree>
+    <p:extLst>
+      <p:ext uri="{BB962C8B-B14F-4D97-AF65-F5344CB8AC3E}">
+        <p14:creationId xmlns:p14="http://schemas.microsoft.com/office/powerpoint/2010/main" val="2991735637"/>
+      </p:ext>
+    </p:extLst>
+  </p:cSld>
+  <p:clrMapOvr>
+    <a:masterClrMapping/>
+  </p:clrMapOvr>
+</p:notes>
+</file>
+
+<file path=ppt/notesSlides/notesSlide2.xml><?xml version="1.0" encoding="utf-8"?>
+<p:notes xmlns:a="http://schemas.openxmlformats.org/drawingml/2006/main" xmlns:r="http://schemas.openxmlformats.org/officeDocument/2006/relationships" xmlns:p="http://schemas.openxmlformats.org/presentationml/2006/main">
+  <p:cSld>
+    <p:spTree>
+      <p:nvGrpSpPr>
+        <p:cNvPr id="1" name=""/>
+        <p:cNvGrpSpPr/>
+        <p:nvPr/>
+      </p:nvGrpSpPr>
+      <p:grpSpPr>
+        <a:xfrm>
+          <a:off x="0" y="0"/>
+          <a:ext cx="0" cy="0"/>
+          <a:chOff x="0" y="0"/>
+          <a:chExt cx="0" cy="0"/>
+        </a:xfrm>
+      </p:grpSpPr>
+      <p:sp>
+        <p:nvSpPr>
+          <p:cNvPr id="2" name="Slide Image Placeholder 1"/>
+          <p:cNvSpPr>
+            <a:spLocks noGrp="1" noRot="1" noChangeAspect="1"/>
+          </p:cNvSpPr>
+          <p:nvPr>
+            <p:ph type="sldImg"/>
+          </p:nvPr>
+        </p:nvSpPr>
+        <p:spPr/>
+      </p:sp>
+      <p:sp>
+        <p:nvSpPr>
+          <p:cNvPr id="3" name="Notes Placeholder 2"/>
+          <p:cNvSpPr>
+            <a:spLocks noGrp="1"/>
+          </p:cNvSpPr>
+          <p:nvPr>
+            <p:ph type="body" idx="1"/>
+          </p:nvPr>
+        </p:nvSpPr>
+        <p:spPr/>
+        <p:txBody>
+          <a:bodyPr/>
+          <a:lstStyle/>
+          <a:p>
+            <a:r>
+              <a:rPr lang="en-US" dirty="0" smtClean="0"/>
               <a:t>How many bases does it take to earn a run?</a:t>
             </a:r>
           </a:p>
@@ -555,6 +658,368 @@
     <p:extLst>
       <p:ext uri="{BB962C8B-B14F-4D97-AF65-F5344CB8AC3E}">
         <p14:creationId xmlns:p14="http://schemas.microsoft.com/office/powerpoint/2010/main" val="1933934310"/>
+      </p:ext>
+    </p:extLst>
+  </p:cSld>
+  <p:clrMapOvr>
+    <a:masterClrMapping/>
+  </p:clrMapOvr>
+</p:notes>
+</file>
+
+<file path=ppt/notesSlides/notesSlide3.xml><?xml version="1.0" encoding="utf-8"?>
+<p:notes xmlns:a="http://schemas.openxmlformats.org/drawingml/2006/main" xmlns:r="http://schemas.openxmlformats.org/officeDocument/2006/relationships" xmlns:p="http://schemas.openxmlformats.org/presentationml/2006/main">
+  <p:cSld>
+    <p:spTree>
+      <p:nvGrpSpPr>
+        <p:cNvPr id="1" name=""/>
+        <p:cNvGrpSpPr/>
+        <p:nvPr/>
+      </p:nvGrpSpPr>
+      <p:grpSpPr>
+        <a:xfrm>
+          <a:off x="0" y="0"/>
+          <a:ext cx="0" cy="0"/>
+          <a:chOff x="0" y="0"/>
+          <a:chExt cx="0" cy="0"/>
+        </a:xfrm>
+      </p:grpSpPr>
+      <p:sp>
+        <p:nvSpPr>
+          <p:cNvPr id="2" name="Slide Image Placeholder 1"/>
+          <p:cNvSpPr>
+            <a:spLocks noGrp="1" noRot="1" noChangeAspect="1"/>
+          </p:cNvSpPr>
+          <p:nvPr>
+            <p:ph type="sldImg"/>
+          </p:nvPr>
+        </p:nvSpPr>
+        <p:spPr/>
+      </p:sp>
+      <p:sp>
+        <p:nvSpPr>
+          <p:cNvPr id="3" name="Notes Placeholder 2"/>
+          <p:cNvSpPr>
+            <a:spLocks noGrp="1"/>
+          </p:cNvSpPr>
+          <p:nvPr>
+            <p:ph type="body" idx="1"/>
+          </p:nvPr>
+        </p:nvSpPr>
+        <p:spPr/>
+        <p:txBody>
+          <a:bodyPr/>
+          <a:lstStyle/>
+          <a:p>
+            <a:r>
+              <a:rPr lang="en-US" dirty="0" smtClean="0"/>
+              <a:t>Skip over this….</a:t>
+            </a:r>
+            <a:endParaRPr lang="en-US" dirty="0"/>
+          </a:p>
+        </p:txBody>
+      </p:sp>
+      <p:sp>
+        <p:nvSpPr>
+          <p:cNvPr id="4" name="Slide Number Placeholder 3"/>
+          <p:cNvSpPr>
+            <a:spLocks noGrp="1"/>
+          </p:cNvSpPr>
+          <p:nvPr>
+            <p:ph type="sldNum" sz="quarter" idx="10"/>
+          </p:nvPr>
+        </p:nvSpPr>
+        <p:spPr/>
+        <p:txBody>
+          <a:bodyPr/>
+          <a:lstStyle/>
+          <a:p>
+            <a:fld id="{D212B6DC-CD76-7345-94D5-CE7C1C73AD97}" type="slidenum">
+              <a:rPr lang="en-US" smtClean="0"/>
+              <a:t>6</a:t>
+            </a:fld>
+            <a:endParaRPr lang="en-US"/>
+          </a:p>
+        </p:txBody>
+      </p:sp>
+    </p:spTree>
+    <p:extLst>
+      <p:ext uri="{BB962C8B-B14F-4D97-AF65-F5344CB8AC3E}">
+        <p14:creationId xmlns:p14="http://schemas.microsoft.com/office/powerpoint/2010/main" val="3762806659"/>
+      </p:ext>
+    </p:extLst>
+  </p:cSld>
+  <p:clrMapOvr>
+    <a:masterClrMapping/>
+  </p:clrMapOvr>
+</p:notes>
+</file>
+
+<file path=ppt/notesSlides/notesSlide4.xml><?xml version="1.0" encoding="utf-8"?>
+<p:notes xmlns:a="http://schemas.openxmlformats.org/drawingml/2006/main" xmlns:r="http://schemas.openxmlformats.org/officeDocument/2006/relationships" xmlns:p="http://schemas.openxmlformats.org/presentationml/2006/main">
+  <p:cSld>
+    <p:spTree>
+      <p:nvGrpSpPr>
+        <p:cNvPr id="1" name=""/>
+        <p:cNvGrpSpPr/>
+        <p:nvPr/>
+      </p:nvGrpSpPr>
+      <p:grpSpPr>
+        <a:xfrm>
+          <a:off x="0" y="0"/>
+          <a:ext cx="0" cy="0"/>
+          <a:chOff x="0" y="0"/>
+          <a:chExt cx="0" cy="0"/>
+        </a:xfrm>
+      </p:grpSpPr>
+      <p:sp>
+        <p:nvSpPr>
+          <p:cNvPr id="2" name="Slide Image Placeholder 1"/>
+          <p:cNvSpPr>
+            <a:spLocks noGrp="1" noRot="1" noChangeAspect="1"/>
+          </p:cNvSpPr>
+          <p:nvPr>
+            <p:ph type="sldImg"/>
+          </p:nvPr>
+        </p:nvSpPr>
+        <p:spPr/>
+      </p:sp>
+      <p:sp>
+        <p:nvSpPr>
+          <p:cNvPr id="3" name="Notes Placeholder 2"/>
+          <p:cNvSpPr>
+            <a:spLocks noGrp="1"/>
+          </p:cNvSpPr>
+          <p:nvPr>
+            <p:ph type="body" idx="1"/>
+          </p:nvPr>
+        </p:nvSpPr>
+        <p:spPr/>
+        <p:txBody>
+          <a:bodyPr/>
+          <a:lstStyle/>
+          <a:p>
+            <a:r>
+              <a:rPr lang="en-US" dirty="0" smtClean="0"/>
+              <a:t>What is a TB</a:t>
+            </a:r>
+            <a:r>
+              <a:rPr lang="en-US" baseline="30000" dirty="0" smtClean="0"/>
+              <a:t>+</a:t>
+            </a:r>
+            <a:r>
+              <a:rPr lang="en-US" dirty="0" smtClean="0"/>
+              <a:t>, and what is a Run.</a:t>
+            </a:r>
+          </a:p>
+          <a:p>
+            <a:r>
+              <a:rPr lang="en-US" dirty="0" smtClean="0"/>
+              <a:t>What is Efficiency.</a:t>
+            </a:r>
+            <a:r>
+              <a:rPr lang="en-US" baseline="0" dirty="0" smtClean="0"/>
+              <a:t> </a:t>
+            </a:r>
+            <a:endParaRPr lang="en-US" dirty="0"/>
+          </a:p>
+        </p:txBody>
+      </p:sp>
+      <p:sp>
+        <p:nvSpPr>
+          <p:cNvPr id="4" name="Slide Number Placeholder 3"/>
+          <p:cNvSpPr>
+            <a:spLocks noGrp="1"/>
+          </p:cNvSpPr>
+          <p:nvPr>
+            <p:ph type="sldNum" sz="quarter" idx="10"/>
+          </p:nvPr>
+        </p:nvSpPr>
+        <p:spPr/>
+        <p:txBody>
+          <a:bodyPr/>
+          <a:lstStyle/>
+          <a:p>
+            <a:fld id="{D212B6DC-CD76-7345-94D5-CE7C1C73AD97}" type="slidenum">
+              <a:rPr lang="en-US" smtClean="0"/>
+              <a:t>7</a:t>
+            </a:fld>
+            <a:endParaRPr lang="en-US"/>
+          </a:p>
+        </p:txBody>
+      </p:sp>
+    </p:spTree>
+    <p:extLst>
+      <p:ext uri="{BB962C8B-B14F-4D97-AF65-F5344CB8AC3E}">
+        <p14:creationId xmlns:p14="http://schemas.microsoft.com/office/powerpoint/2010/main" val="3082857115"/>
+      </p:ext>
+    </p:extLst>
+  </p:cSld>
+  <p:clrMapOvr>
+    <a:masterClrMapping/>
+  </p:clrMapOvr>
+</p:notes>
+</file>
+
+<file path=ppt/notesSlides/notesSlide5.xml><?xml version="1.0" encoding="utf-8"?>
+<p:notes xmlns:a="http://schemas.openxmlformats.org/drawingml/2006/main" xmlns:r="http://schemas.openxmlformats.org/officeDocument/2006/relationships" xmlns:p="http://schemas.openxmlformats.org/presentationml/2006/main">
+  <p:cSld>
+    <p:spTree>
+      <p:nvGrpSpPr>
+        <p:cNvPr id="1" name=""/>
+        <p:cNvGrpSpPr/>
+        <p:nvPr/>
+      </p:nvGrpSpPr>
+      <p:grpSpPr>
+        <a:xfrm>
+          <a:off x="0" y="0"/>
+          <a:ext cx="0" cy="0"/>
+          <a:chOff x="0" y="0"/>
+          <a:chExt cx="0" cy="0"/>
+        </a:xfrm>
+      </p:grpSpPr>
+      <p:sp>
+        <p:nvSpPr>
+          <p:cNvPr id="2" name="Slide Image Placeholder 1"/>
+          <p:cNvSpPr>
+            <a:spLocks noGrp="1" noRot="1" noChangeAspect="1"/>
+          </p:cNvSpPr>
+          <p:nvPr>
+            <p:ph type="sldImg"/>
+          </p:nvPr>
+        </p:nvSpPr>
+        <p:spPr/>
+      </p:sp>
+      <p:sp>
+        <p:nvSpPr>
+          <p:cNvPr id="3" name="Notes Placeholder 2"/>
+          <p:cNvSpPr>
+            <a:spLocks noGrp="1"/>
+          </p:cNvSpPr>
+          <p:nvPr>
+            <p:ph type="body" idx="1"/>
+          </p:nvPr>
+        </p:nvSpPr>
+        <p:spPr/>
+        <p:txBody>
+          <a:bodyPr/>
+          <a:lstStyle/>
+          <a:p>
+            <a:endParaRPr lang="en-US" dirty="0"/>
+          </a:p>
+        </p:txBody>
+      </p:sp>
+      <p:sp>
+        <p:nvSpPr>
+          <p:cNvPr id="4" name="Slide Number Placeholder 3"/>
+          <p:cNvSpPr>
+            <a:spLocks noGrp="1"/>
+          </p:cNvSpPr>
+          <p:nvPr>
+            <p:ph type="sldNum" sz="quarter" idx="10"/>
+          </p:nvPr>
+        </p:nvSpPr>
+        <p:spPr/>
+        <p:txBody>
+          <a:bodyPr/>
+          <a:lstStyle/>
+          <a:p>
+            <a:fld id="{D212B6DC-CD76-7345-94D5-CE7C1C73AD97}" type="slidenum">
+              <a:rPr lang="en-US" smtClean="0"/>
+              <a:t>9</a:t>
+            </a:fld>
+            <a:endParaRPr lang="en-US"/>
+          </a:p>
+        </p:txBody>
+      </p:sp>
+    </p:spTree>
+    <p:extLst>
+      <p:ext uri="{BB962C8B-B14F-4D97-AF65-F5344CB8AC3E}">
+        <p14:creationId xmlns:p14="http://schemas.microsoft.com/office/powerpoint/2010/main" val="3395249133"/>
+      </p:ext>
+    </p:extLst>
+  </p:cSld>
+  <p:clrMapOvr>
+    <a:masterClrMapping/>
+  </p:clrMapOvr>
+</p:notes>
+</file>
+
+<file path=ppt/notesSlides/notesSlide6.xml><?xml version="1.0" encoding="utf-8"?>
+<p:notes xmlns:a="http://schemas.openxmlformats.org/drawingml/2006/main" xmlns:r="http://schemas.openxmlformats.org/officeDocument/2006/relationships" xmlns:p="http://schemas.openxmlformats.org/presentationml/2006/main">
+  <p:cSld>
+    <p:spTree>
+      <p:nvGrpSpPr>
+        <p:cNvPr id="1" name=""/>
+        <p:cNvGrpSpPr/>
+        <p:nvPr/>
+      </p:nvGrpSpPr>
+      <p:grpSpPr>
+        <a:xfrm>
+          <a:off x="0" y="0"/>
+          <a:ext cx="0" cy="0"/>
+          <a:chOff x="0" y="0"/>
+          <a:chExt cx="0" cy="0"/>
+        </a:xfrm>
+      </p:grpSpPr>
+      <p:sp>
+        <p:nvSpPr>
+          <p:cNvPr id="2" name="Slide Image Placeholder 1"/>
+          <p:cNvSpPr>
+            <a:spLocks noGrp="1" noRot="1" noChangeAspect="1"/>
+          </p:cNvSpPr>
+          <p:nvPr>
+            <p:ph type="sldImg"/>
+          </p:nvPr>
+        </p:nvSpPr>
+        <p:spPr/>
+      </p:sp>
+      <p:sp>
+        <p:nvSpPr>
+          <p:cNvPr id="3" name="Notes Placeholder 2"/>
+          <p:cNvSpPr>
+            <a:spLocks noGrp="1"/>
+          </p:cNvSpPr>
+          <p:nvPr>
+            <p:ph type="body" idx="1"/>
+          </p:nvPr>
+        </p:nvSpPr>
+        <p:spPr/>
+        <p:txBody>
+          <a:bodyPr/>
+          <a:lstStyle/>
+          <a:p>
+            <a:endParaRPr lang="en-US" dirty="0"/>
+          </a:p>
+        </p:txBody>
+      </p:sp>
+      <p:sp>
+        <p:nvSpPr>
+          <p:cNvPr id="4" name="Slide Number Placeholder 3"/>
+          <p:cNvSpPr>
+            <a:spLocks noGrp="1"/>
+          </p:cNvSpPr>
+          <p:nvPr>
+            <p:ph type="sldNum" sz="quarter" idx="10"/>
+          </p:nvPr>
+        </p:nvSpPr>
+        <p:spPr/>
+        <p:txBody>
+          <a:bodyPr/>
+          <a:lstStyle/>
+          <a:p>
+            <a:fld id="{D212B6DC-CD76-7345-94D5-CE7C1C73AD97}" type="slidenum">
+              <a:rPr lang="en-US" smtClean="0"/>
+              <a:t>12</a:t>
+            </a:fld>
+            <a:endParaRPr lang="en-US"/>
+          </a:p>
+        </p:txBody>
+      </p:sp>
+    </p:spTree>
+    <p:extLst>
+      <p:ext uri="{BB962C8B-B14F-4D97-AF65-F5344CB8AC3E}">
+        <p14:creationId xmlns:p14="http://schemas.microsoft.com/office/powerpoint/2010/main" val="3490129004"/>
       </p:ext>
     </p:extLst>
   </p:cSld>
@@ -745,7 +1210,7 @@
           <a:p>
             <a:fld id="{6BFECD78-3C8E-49F2-8FAB-59489D168ABB}" type="datetimeFigureOut">
               <a:rPr lang="en-US" smtClean="0"/>
-              <a:t>7/23/14</a:t>
+              <a:t>7/24/14</a:t>
             </a:fld>
             <a:endParaRPr lang="en-US"/>
           </a:p>
@@ -915,7 +1380,7 @@
           <a:p>
             <a:fld id="{6BFECD78-3C8E-49F2-8FAB-59489D168ABB}" type="datetimeFigureOut">
               <a:rPr lang="en-US" smtClean="0"/>
-              <a:t>7/23/14</a:t>
+              <a:t>7/24/14</a:t>
             </a:fld>
             <a:endParaRPr lang="en-US"/>
           </a:p>
@@ -1095,7 +1560,7 @@
           <a:p>
             <a:fld id="{6BFECD78-3C8E-49F2-8FAB-59489D168ABB}" type="datetimeFigureOut">
               <a:rPr lang="en-US" smtClean="0"/>
-              <a:t>7/23/14</a:t>
+              <a:t>7/24/14</a:t>
             </a:fld>
             <a:endParaRPr lang="en-US"/>
           </a:p>
@@ -1265,7 +1730,7 @@
           <a:p>
             <a:fld id="{6BFECD78-3C8E-49F2-8FAB-59489D168ABB}" type="datetimeFigureOut">
               <a:rPr lang="en-US" smtClean="0"/>
-              <a:t>7/23/14</a:t>
+              <a:t>7/24/14</a:t>
             </a:fld>
             <a:endParaRPr lang="en-US"/>
           </a:p>
@@ -1511,7 +1976,7 @@
           <a:p>
             <a:fld id="{6BFECD78-3C8E-49F2-8FAB-59489D168ABB}" type="datetimeFigureOut">
               <a:rPr lang="en-US" smtClean="0"/>
-              <a:t>7/23/14</a:t>
+              <a:t>7/24/14</a:t>
             </a:fld>
             <a:endParaRPr lang="en-US"/>
           </a:p>
@@ -1799,7 +2264,7 @@
           <a:p>
             <a:fld id="{6BFECD78-3C8E-49F2-8FAB-59489D168ABB}" type="datetimeFigureOut">
               <a:rPr lang="en-US" smtClean="0"/>
-              <a:t>7/23/14</a:t>
+              <a:t>7/24/14</a:t>
             </a:fld>
             <a:endParaRPr lang="en-US"/>
           </a:p>
@@ -2221,7 +2686,7 @@
           <a:p>
             <a:fld id="{6BFECD78-3C8E-49F2-8FAB-59489D168ABB}" type="datetimeFigureOut">
               <a:rPr lang="en-US" smtClean="0"/>
-              <a:t>7/23/14</a:t>
+              <a:t>7/24/14</a:t>
             </a:fld>
             <a:endParaRPr lang="en-US"/>
           </a:p>
@@ -2339,7 +2804,7 @@
           <a:p>
             <a:fld id="{6BFECD78-3C8E-49F2-8FAB-59489D168ABB}" type="datetimeFigureOut">
               <a:rPr lang="en-US" smtClean="0"/>
-              <a:t>7/23/14</a:t>
+              <a:t>7/24/14</a:t>
             </a:fld>
             <a:endParaRPr lang="en-US"/>
           </a:p>
@@ -2434,7 +2899,7 @@
           <a:p>
             <a:fld id="{6BFECD78-3C8E-49F2-8FAB-59489D168ABB}" type="datetimeFigureOut">
               <a:rPr lang="en-US" smtClean="0"/>
-              <a:t>7/23/14</a:t>
+              <a:t>7/24/14</a:t>
             </a:fld>
             <a:endParaRPr lang="en-US"/>
           </a:p>
@@ -2711,7 +3176,7 @@
           <a:p>
             <a:fld id="{6BFECD78-3C8E-49F2-8FAB-59489D168ABB}" type="datetimeFigureOut">
               <a:rPr lang="en-US" smtClean="0"/>
-              <a:t>7/23/14</a:t>
+              <a:t>7/24/14</a:t>
             </a:fld>
             <a:endParaRPr lang="en-US"/>
           </a:p>
@@ -2968,7 +3433,7 @@
           <a:p>
             <a:fld id="{6BFECD78-3C8E-49F2-8FAB-59489D168ABB}" type="datetimeFigureOut">
               <a:rPr lang="en-US" smtClean="0"/>
-              <a:t>7/23/14</a:t>
+              <a:t>7/24/14</a:t>
             </a:fld>
             <a:endParaRPr lang="en-US"/>
           </a:p>
@@ -3181,7 +3646,7 @@
           <a:p>
             <a:fld id="{6BFECD78-3C8E-49F2-8FAB-59489D168ABB}" type="datetimeFigureOut">
               <a:rPr lang="en-US" smtClean="0"/>
-              <a:t>7/23/14</a:t>
+              <a:t>7/24/14</a:t>
             </a:fld>
             <a:endParaRPr lang="en-US"/>
           </a:p>
@@ -3647,6 +4112,466 @@
         </p:nvSpPr>
         <p:spPr>
           <a:xfrm>
+            <a:off x="457200" y="2779944"/>
+            <a:ext cx="4476922" cy="1143000"/>
+          </a:xfrm>
+        </p:spPr>
+        <p:txBody>
+          <a:bodyPr>
+            <a:normAutofit/>
+          </a:bodyPr>
+          <a:lstStyle/>
+          <a:p>
+            <a:r>
+              <a:rPr lang="en-US" sz="6000" dirty="0" smtClean="0"/>
+              <a:t>W%  =  </a:t>
+            </a:r>
+            <a:endParaRPr lang="en-US" sz="6000" dirty="0"/>
+          </a:p>
+        </p:txBody>
+      </p:sp>
+      <p:sp>
+        <p:nvSpPr>
+          <p:cNvPr id="3" name="Content Placeholder 2"/>
+          <p:cNvSpPr>
+            <a:spLocks noGrp="1"/>
+          </p:cNvSpPr>
+          <p:nvPr>
+            <p:ph idx="1"/>
+          </p:nvPr>
+        </p:nvSpPr>
+        <p:spPr>
+          <a:xfrm>
+            <a:off x="457200" y="1600200"/>
+            <a:ext cx="8229600" cy="1151599"/>
+          </a:xfrm>
+        </p:spPr>
+        <p:txBody>
+          <a:bodyPr>
+            <a:normAutofit/>
+          </a:bodyPr>
+          <a:lstStyle/>
+          <a:p>
+            <a:pPr marL="0" indent="0" algn="ctr">
+              <a:buNone/>
+            </a:pPr>
+            <a:r>
+              <a:rPr lang="en-US" sz="4000" b="1" spc="200" dirty="0" smtClean="0">
+                <a:ln w="29210">
+                  <a:solidFill>
+                    <a:schemeClr val="accent3">
+                      <a:tint val="10000"/>
+                    </a:schemeClr>
+                  </a:solidFill>
+                </a:ln>
+                <a:solidFill>
+                  <a:schemeClr val="accent3">
+                    <a:satMod val="200000"/>
+                    <a:alpha val="50000"/>
+                  </a:schemeClr>
+                </a:solidFill>
+                <a:effectLst>
+                  <a:innerShdw blurRad="50800" dist="50800" dir="8100000">
+                    <a:srgbClr val="7D7D7D">
+                      <a:alpha val="73000"/>
+                    </a:srgbClr>
+                  </a:innerShdw>
+                </a:effectLst>
+              </a:rPr>
+              <a:t>Pythagorean Expectation</a:t>
+            </a:r>
+            <a:endParaRPr lang="en-US" sz="4000" b="1" dirty="0">
+              <a:ln w="31550" cmpd="sng">
+                <a:gradFill>
+                  <a:gsLst>
+                    <a:gs pos="25000">
+                      <a:schemeClr val="accent1">
+                        <a:shade val="25000"/>
+                        <a:satMod val="190000"/>
+                      </a:schemeClr>
+                    </a:gs>
+                    <a:gs pos="80000">
+                      <a:schemeClr val="accent1">
+                        <a:tint val="75000"/>
+                        <a:satMod val="190000"/>
+                      </a:schemeClr>
+                    </a:gs>
+                  </a:gsLst>
+                  <a:lin ang="5400000"/>
+                </a:gradFill>
+                <a:prstDash val="solid"/>
+              </a:ln>
+              <a:solidFill>
+                <a:srgbClr val="FFFFFF"/>
+              </a:solidFill>
+              <a:effectLst>
+                <a:outerShdw blurRad="41275" dist="12700" dir="12000000" algn="tl" rotWithShape="0">
+                  <a:srgbClr val="000000">
+                    <a:alpha val="40000"/>
+                  </a:srgbClr>
+                </a:outerShdw>
+              </a:effectLst>
+            </a:endParaRPr>
+          </a:p>
+        </p:txBody>
+      </p:sp>
+      <p:cxnSp>
+        <p:nvCxnSpPr>
+          <p:cNvPr id="6" name="Straight Connector 5"/>
+          <p:cNvCxnSpPr/>
+          <p:nvPr/>
+        </p:nvCxnSpPr>
+        <p:spPr>
+          <a:xfrm>
+            <a:off x="4312396" y="3585277"/>
+            <a:ext cx="4008148" cy="0"/>
+          </a:xfrm>
+          <a:prstGeom prst="line">
+            <a:avLst/>
+          </a:prstGeom>
+        </p:spPr>
+        <p:style>
+          <a:lnRef idx="2">
+            <a:schemeClr val="accent1"/>
+          </a:lnRef>
+          <a:fillRef idx="0">
+            <a:schemeClr val="accent1"/>
+          </a:fillRef>
+          <a:effectRef idx="1">
+            <a:schemeClr val="accent1"/>
+          </a:effectRef>
+          <a:fontRef idx="minor">
+            <a:schemeClr val="tx1"/>
+          </a:fontRef>
+        </p:style>
+      </p:cxnSp>
+      <p:sp>
+        <p:nvSpPr>
+          <p:cNvPr id="7" name="Title 1"/>
+          <p:cNvSpPr txBox="1">
+            <a:spLocks/>
+          </p:cNvSpPr>
+          <p:nvPr/>
+        </p:nvSpPr>
+        <p:spPr>
+          <a:xfrm>
+            <a:off x="3843622" y="2359155"/>
+            <a:ext cx="4476922" cy="1143000"/>
+          </a:xfrm>
+          <a:prstGeom prst="rect">
+            <a:avLst/>
+          </a:prstGeom>
+        </p:spPr>
+        <p:txBody>
+          <a:bodyPr vert="horz" lIns="91440" tIns="45720" rIns="91440" bIns="45720" rtlCol="0" anchor="ctr">
+            <a:normAutofit/>
+          </a:bodyPr>
+          <a:lstStyle>
+            <a:lvl1pPr algn="ctr" defTabSz="914400" rtl="0" eaLnBrk="1" latinLnBrk="0" hangingPunct="1">
+              <a:spcBef>
+                <a:spcPct val="0"/>
+              </a:spcBef>
+              <a:buNone/>
+              <a:defRPr sz="4400" kern="1200">
+                <a:solidFill>
+                  <a:schemeClr val="tx1"/>
+                </a:solidFill>
+                <a:latin typeface="+mj-lt"/>
+                <a:ea typeface="+mj-ea"/>
+                <a:cs typeface="+mj-cs"/>
+              </a:defRPr>
+            </a:lvl1pPr>
+          </a:lstStyle>
+          <a:p>
+            <a:r>
+              <a:rPr lang="en-US" sz="4000" dirty="0" smtClean="0"/>
+              <a:t>(RS)</a:t>
+            </a:r>
+            <a:r>
+              <a:rPr lang="en-US" sz="4000" baseline="30000" dirty="0" smtClean="0">
+                <a:solidFill>
+                  <a:srgbClr val="77933C"/>
+                </a:solidFill>
+              </a:rPr>
+              <a:t>e</a:t>
+            </a:r>
+            <a:endParaRPr lang="en-US" sz="4000" dirty="0">
+              <a:solidFill>
+                <a:srgbClr val="77933C"/>
+              </a:solidFill>
+            </a:endParaRPr>
+          </a:p>
+        </p:txBody>
+      </p:sp>
+      <p:sp>
+        <p:nvSpPr>
+          <p:cNvPr id="8" name="Title 1"/>
+          <p:cNvSpPr txBox="1">
+            <a:spLocks/>
+          </p:cNvSpPr>
+          <p:nvPr/>
+        </p:nvSpPr>
+        <p:spPr>
+          <a:xfrm>
+            <a:off x="3843622" y="3329652"/>
+            <a:ext cx="4476922" cy="1143000"/>
+          </a:xfrm>
+          <a:prstGeom prst="rect">
+            <a:avLst/>
+          </a:prstGeom>
+        </p:spPr>
+        <p:txBody>
+          <a:bodyPr vert="horz" lIns="91440" tIns="45720" rIns="91440" bIns="45720" rtlCol="0" anchor="ctr">
+            <a:normAutofit/>
+          </a:bodyPr>
+          <a:lstStyle>
+            <a:lvl1pPr algn="ctr" defTabSz="914400" rtl="0" eaLnBrk="1" latinLnBrk="0" hangingPunct="1">
+              <a:spcBef>
+                <a:spcPct val="0"/>
+              </a:spcBef>
+              <a:buNone/>
+              <a:defRPr sz="4400" kern="1200">
+                <a:solidFill>
+                  <a:schemeClr val="tx1"/>
+                </a:solidFill>
+                <a:latin typeface="+mj-lt"/>
+                <a:ea typeface="+mj-ea"/>
+                <a:cs typeface="+mj-cs"/>
+              </a:defRPr>
+            </a:lvl1pPr>
+          </a:lstStyle>
+          <a:p>
+            <a:r>
+              <a:rPr lang="en-US" sz="4000" dirty="0" smtClean="0"/>
+              <a:t>(RS)</a:t>
+            </a:r>
+            <a:r>
+              <a:rPr lang="en-US" sz="4000" baseline="30000" dirty="0" smtClean="0">
+                <a:solidFill>
+                  <a:srgbClr val="77933C"/>
+                </a:solidFill>
+              </a:rPr>
+              <a:t>e</a:t>
+            </a:r>
+            <a:r>
+              <a:rPr lang="en-US" sz="4000" dirty="0" smtClean="0"/>
+              <a:t> + (RA)</a:t>
+            </a:r>
+            <a:r>
+              <a:rPr lang="en-US" sz="4000" baseline="30000" dirty="0" smtClean="0">
+                <a:solidFill>
+                  <a:srgbClr val="77933C"/>
+                </a:solidFill>
+              </a:rPr>
+              <a:t>e</a:t>
+            </a:r>
+            <a:endParaRPr lang="en-US" sz="4000" dirty="0">
+              <a:solidFill>
+                <a:srgbClr val="77933C"/>
+              </a:solidFill>
+            </a:endParaRPr>
+          </a:p>
+        </p:txBody>
+      </p:sp>
+      <p:sp>
+        <p:nvSpPr>
+          <p:cNvPr id="10" name="Title 1"/>
+          <p:cNvSpPr txBox="1">
+            <a:spLocks/>
+          </p:cNvSpPr>
+          <p:nvPr/>
+        </p:nvSpPr>
+        <p:spPr>
+          <a:xfrm>
+            <a:off x="2324570" y="4654791"/>
+            <a:ext cx="4476922" cy="1465793"/>
+          </a:xfrm>
+          <a:prstGeom prst="rect">
+            <a:avLst/>
+          </a:prstGeom>
+        </p:spPr>
+        <p:txBody>
+          <a:bodyPr vert="horz" lIns="91440" tIns="45720" rIns="91440" bIns="45720" rtlCol="0" anchor="ctr">
+            <a:normAutofit/>
+          </a:bodyPr>
+          <a:lstStyle>
+            <a:lvl1pPr algn="ctr" defTabSz="914400" rtl="0" eaLnBrk="1" latinLnBrk="0" hangingPunct="1">
+              <a:spcBef>
+                <a:spcPct val="0"/>
+              </a:spcBef>
+              <a:buNone/>
+              <a:defRPr sz="4400" kern="1200">
+                <a:solidFill>
+                  <a:schemeClr val="tx1"/>
+                </a:solidFill>
+                <a:latin typeface="+mj-lt"/>
+                <a:ea typeface="+mj-ea"/>
+                <a:cs typeface="+mj-cs"/>
+              </a:defRPr>
+            </a:lvl1pPr>
+          </a:lstStyle>
+          <a:p>
+            <a:r>
+              <a:rPr lang="en-US" sz="5500" dirty="0" smtClean="0">
+                <a:solidFill>
+                  <a:schemeClr val="accent3">
+                    <a:lumMod val="75000"/>
+                  </a:schemeClr>
+                </a:solidFill>
+              </a:rPr>
+              <a:t>e </a:t>
+            </a:r>
+            <a:r>
+              <a:rPr lang="en-US" sz="4500" dirty="0" smtClean="0"/>
+              <a:t>= (          ) </a:t>
+            </a:r>
+            <a:r>
+              <a:rPr lang="en-US" sz="3500" baseline="30000" dirty="0" smtClean="0"/>
+              <a:t>.287</a:t>
+            </a:r>
+            <a:endParaRPr lang="en-US" sz="3500" dirty="0"/>
+          </a:p>
+        </p:txBody>
+      </p:sp>
+      <p:cxnSp>
+        <p:nvCxnSpPr>
+          <p:cNvPr id="11" name="Straight Connector 10"/>
+          <p:cNvCxnSpPr/>
+          <p:nvPr/>
+        </p:nvCxnSpPr>
+        <p:spPr>
+          <a:xfrm>
+            <a:off x="4082515" y="5455459"/>
+            <a:ext cx="1171103" cy="0"/>
+          </a:xfrm>
+          <a:prstGeom prst="line">
+            <a:avLst/>
+          </a:prstGeom>
+        </p:spPr>
+        <p:style>
+          <a:lnRef idx="2">
+            <a:schemeClr val="accent1"/>
+          </a:lnRef>
+          <a:fillRef idx="0">
+            <a:schemeClr val="accent1"/>
+          </a:fillRef>
+          <a:effectRef idx="1">
+            <a:schemeClr val="accent1"/>
+          </a:effectRef>
+          <a:fontRef idx="minor">
+            <a:schemeClr val="tx1"/>
+          </a:fontRef>
+        </p:style>
+      </p:cxnSp>
+      <p:sp>
+        <p:nvSpPr>
+          <p:cNvPr id="16" name="TextBox 15"/>
+          <p:cNvSpPr txBox="1"/>
+          <p:nvPr/>
+        </p:nvSpPr>
+        <p:spPr>
+          <a:xfrm>
+            <a:off x="4100698" y="5012466"/>
+            <a:ext cx="1219756" cy="461665"/>
+          </a:xfrm>
+          <a:prstGeom prst="rect">
+            <a:avLst/>
+          </a:prstGeom>
+          <a:noFill/>
+        </p:spPr>
+        <p:txBody>
+          <a:bodyPr wrap="square" rtlCol="0">
+            <a:spAutoFit/>
+          </a:bodyPr>
+          <a:lstStyle/>
+          <a:p>
+            <a:r>
+              <a:rPr lang="en-US" sz="2400" dirty="0" smtClean="0"/>
+              <a:t>RS + RA</a:t>
+            </a:r>
+            <a:endParaRPr lang="en-US" sz="2400" dirty="0"/>
+          </a:p>
+        </p:txBody>
+      </p:sp>
+      <p:sp>
+        <p:nvSpPr>
+          <p:cNvPr id="21" name="TextBox 20"/>
+          <p:cNvSpPr txBox="1"/>
+          <p:nvPr/>
+        </p:nvSpPr>
+        <p:spPr>
+          <a:xfrm>
+            <a:off x="4441207" y="5395698"/>
+            <a:ext cx="1219756" cy="461665"/>
+          </a:xfrm>
+          <a:prstGeom prst="rect">
+            <a:avLst/>
+          </a:prstGeom>
+          <a:noFill/>
+        </p:spPr>
+        <p:txBody>
+          <a:bodyPr wrap="square" rtlCol="0">
+            <a:spAutoFit/>
+          </a:bodyPr>
+          <a:lstStyle/>
+          <a:p>
+            <a:r>
+              <a:rPr lang="en-US" sz="2400" dirty="0" smtClean="0"/>
+              <a:t>G</a:t>
+            </a:r>
+            <a:endParaRPr lang="en-US" sz="2400" dirty="0"/>
+          </a:p>
+        </p:txBody>
+      </p:sp>
+    </p:spTree>
+    <p:extLst>
+      <p:ext uri="{BB962C8B-B14F-4D97-AF65-F5344CB8AC3E}">
+        <p14:creationId xmlns:p14="http://schemas.microsoft.com/office/powerpoint/2010/main" val="980279634"/>
+      </p:ext>
+    </p:extLst>
+  </p:cSld>
+  <p:clrMapOvr>
+    <a:masterClrMapping/>
+  </p:clrMapOvr>
+  <p:timing>
+    <p:tnLst>
+      <p:par>
+        <p:cTn xmlns:p14="http://schemas.microsoft.com/office/powerpoint/2010/main" id="1" dur="indefinite" restart="never" nodeType="tmRoot"/>
+      </p:par>
+    </p:tnLst>
+  </p:timing>
+</p:sld>
+</file>
+
+<file path=ppt/slides/slide11.xml><?xml version="1.0" encoding="utf-8"?>
+<p:sld xmlns:a="http://schemas.openxmlformats.org/drawingml/2006/main" xmlns:r="http://schemas.openxmlformats.org/officeDocument/2006/relationships" xmlns:p="http://schemas.openxmlformats.org/presentationml/2006/main">
+  <p:cSld>
+    <p:spTree>
+      <p:nvGrpSpPr>
+        <p:cNvPr id="1" name=""/>
+        <p:cNvGrpSpPr/>
+        <p:nvPr/>
+      </p:nvGrpSpPr>
+      <p:grpSpPr>
+        <a:xfrm>
+          <a:off x="0" y="0"/>
+          <a:ext cx="0" cy="0"/>
+          <a:chOff x="0" y="0"/>
+          <a:chExt cx="0" cy="0"/>
+        </a:xfrm>
+      </p:grpSpPr>
+      <p:sp>
+        <p:nvSpPr>
+          <p:cNvPr id="2" name="Title 1"/>
+          <p:cNvSpPr>
+            <a:spLocks noGrp="1"/>
+          </p:cNvSpPr>
+          <p:nvPr>
+            <p:ph type="title"/>
+          </p:nvPr>
+        </p:nvSpPr>
+        <p:spPr>
+          <a:xfrm>
             <a:off x="457200" y="2947059"/>
             <a:ext cx="8229600" cy="1143000"/>
           </a:xfrm>
@@ -3858,7 +4783,7 @@
 </p:sld>
 </file>
 
-<file path=ppt/slides/slide11.xml><?xml version="1.0" encoding="utf-8"?>
+<file path=ppt/slides/slide12.xml><?xml version="1.0" encoding="utf-8"?>
 <p:sld xmlns:a="http://schemas.openxmlformats.org/drawingml/2006/main" xmlns:r="http://schemas.openxmlformats.org/officeDocument/2006/relationships" xmlns:p="http://schemas.openxmlformats.org/presentationml/2006/main">
   <p:cSld>
     <p:spTree>
@@ -3890,7 +4815,11 @@
           <a:bodyPr/>
           <a:lstStyle/>
           <a:p>
-            <a:endParaRPr lang="en-US"/>
+            <a:r>
+              <a:rPr lang="en-US" dirty="0" smtClean="0"/>
+              <a:t>Predictions</a:t>
+            </a:r>
+            <a:endParaRPr lang="en-US" dirty="0"/>
           </a:p>
         </p:txBody>
       </p:sp>
@@ -3906,13 +4835,70 @@
         </p:nvSpPr>
         <p:spPr/>
         <p:txBody>
-          <a:bodyPr/>
-          <a:lstStyle/>
-          <a:p>
-            <a:r>
-              <a:rPr lang="en-US" dirty="0" smtClean="0"/>
-              <a:t>Show predicted playoffs</a:t>
-            </a:r>
+          <a:bodyPr>
+            <a:normAutofit/>
+          </a:bodyPr>
+          <a:lstStyle/>
+          <a:p>
+            <a:r>
+              <a:rPr lang="en-US" sz="2800" dirty="0" smtClean="0"/>
+              <a:t>WSN gets home field advantage</a:t>
+            </a:r>
+          </a:p>
+          <a:p>
+            <a:r>
+              <a:rPr lang="en-US" sz="2800" dirty="0" smtClean="0"/>
+              <a:t>LAD wins division</a:t>
+            </a:r>
+          </a:p>
+          <a:p>
+            <a:r>
+              <a:rPr lang="en-US" sz="2800" dirty="0" smtClean="0"/>
+              <a:t>SFG falls to wild card</a:t>
+            </a:r>
+          </a:p>
+          <a:p>
+            <a:r>
+              <a:rPr lang="en-US" sz="2800" dirty="0" smtClean="0"/>
+              <a:t>STL ties ATL for 2</a:t>
+            </a:r>
+            <a:r>
+              <a:rPr lang="en-US" sz="2800" baseline="30000" dirty="0" smtClean="0"/>
+              <a:t>nd</a:t>
+            </a:r>
+            <a:r>
+              <a:rPr lang="en-US" sz="2800" dirty="0" smtClean="0"/>
+              <a:t> wild card</a:t>
+            </a:r>
+          </a:p>
+          <a:p>
+            <a:r>
+              <a:rPr lang="en-US" sz="2800" dirty="0" smtClean="0"/>
+              <a:t>BAL and MIL win divisions, but play .500 henceforth</a:t>
+            </a:r>
+          </a:p>
+          <a:p>
+            <a:r>
+              <a:rPr lang="en-US" sz="2800" dirty="0" smtClean="0"/>
+              <a:t>NYY is sub-.500 henceforth</a:t>
+            </a:r>
+          </a:p>
+          <a:p>
+            <a:r>
+              <a:rPr lang="en-US" sz="2800" dirty="0" smtClean="0"/>
+              <a:t>TB is above-.500 henceforth</a:t>
+            </a:r>
+          </a:p>
+          <a:p>
+            <a:r>
+              <a:rPr lang="en-US" sz="2800" dirty="0" smtClean="0"/>
+              <a:t>CHC improves, but still is sub-.500</a:t>
+            </a:r>
+          </a:p>
+          <a:p>
+            <a:endParaRPr lang="en-US" dirty="0" smtClean="0"/>
+          </a:p>
+          <a:p>
             <a:endParaRPr lang="en-US" dirty="0"/>
           </a:p>
         </p:txBody>
@@ -4382,7 +5368,6 @@
               <a:rPr lang="en-US" sz="6000" b="1" dirty="0"/>
               <a:t>3</a:t>
             </a:r>
-            <a:endParaRPr lang="en-US" sz="6000" b="1" dirty="0"/>
           </a:p>
         </p:txBody>
       </p:sp>
@@ -4729,29 +5714,140 @@
               <a:buNone/>
             </a:pPr>
             <a:r>
-              <a:rPr lang="en-US" dirty="0" err="1" smtClean="0"/>
+              <a:rPr lang="en-US" dirty="0" err="1" smtClean="0">
+                <a:solidFill>
+                  <a:srgbClr val="9BBB59"/>
+                </a:solidFill>
+              </a:rPr>
               <a:t>TB</a:t>
             </a:r>
             <a:r>
-              <a:rPr lang="en-US" baseline="30000" dirty="0" err="1" smtClean="0"/>
+              <a:rPr lang="en-US" baseline="30000" dirty="0" err="1" smtClean="0">
+                <a:solidFill>
+                  <a:srgbClr val="9BBB59"/>
+                </a:solidFill>
+              </a:rPr>
               <a:t>+</a:t>
             </a:r>
             <a:r>
-              <a:rPr lang="en-US" baseline="-25000" dirty="0" err="1" smtClean="0"/>
+              <a:rPr lang="en-US" baseline="-25000" dirty="0" err="1" smtClean="0">
+                <a:solidFill>
+                  <a:srgbClr val="9BBB59"/>
+                </a:solidFill>
+              </a:rPr>
               <a:t>off</a:t>
             </a:r>
             <a:r>
+              <a:rPr lang="en-US" dirty="0" smtClean="0">
+                <a:solidFill>
+                  <a:srgbClr val="9BBB59"/>
+                </a:solidFill>
+              </a:rPr>
+              <a:t> </a:t>
+            </a:r>
+          </a:p>
+          <a:p>
+            <a:pPr marL="0" indent="0">
+              <a:buNone/>
+            </a:pPr>
+            <a:r>
               <a:rPr lang="en-US" dirty="0" smtClean="0"/>
-              <a:t> </a:t>
-            </a:r>
-          </a:p>
-          <a:p>
-            <a:pPr marL="0" indent="0">
-              <a:buNone/>
-            </a:pPr>
+              <a:t>=  </a:t>
+            </a:r>
+            <a:r>
+              <a:rPr lang="en-US" dirty="0" smtClean="0">
+                <a:solidFill>
+                  <a:schemeClr val="accent1">
+                    <a:lumMod val="60000"/>
+                    <a:lumOff val="40000"/>
+                  </a:schemeClr>
+                </a:solidFill>
+              </a:rPr>
+              <a:t>1B</a:t>
+            </a:r>
             <a:r>
               <a:rPr lang="en-US" dirty="0" smtClean="0"/>
-              <a:t>=  1B + 2B*2 + 3B*3 + HR*4 + HBP + BB + SB – CS</a:t>
+              <a:t> + </a:t>
+            </a:r>
+            <a:r>
+              <a:rPr lang="en-US" dirty="0" smtClean="0">
+                <a:solidFill>
+                  <a:srgbClr val="95B3D7"/>
+                </a:solidFill>
+              </a:rPr>
+              <a:t>2B</a:t>
+            </a:r>
+            <a:r>
+              <a:rPr lang="en-US" dirty="0" smtClean="0"/>
+              <a:t>*2 + </a:t>
+            </a:r>
+            <a:r>
+              <a:rPr lang="en-US" dirty="0" smtClean="0">
+                <a:solidFill>
+                  <a:srgbClr val="95B3D7"/>
+                </a:solidFill>
+              </a:rPr>
+              <a:t>3B</a:t>
+            </a:r>
+            <a:r>
+              <a:rPr lang="en-US" dirty="0" smtClean="0"/>
+              <a:t>*3 + </a:t>
+            </a:r>
+            <a:r>
+              <a:rPr lang="en-US" dirty="0" smtClean="0">
+                <a:solidFill>
+                  <a:srgbClr val="95B3D7"/>
+                </a:solidFill>
+              </a:rPr>
+              <a:t>HR</a:t>
+            </a:r>
+            <a:r>
+              <a:rPr lang="en-US" dirty="0" smtClean="0"/>
+              <a:t>*4 + </a:t>
+            </a:r>
+            <a:r>
+              <a:rPr lang="en-US" dirty="0" smtClean="0">
+                <a:solidFill>
+                  <a:srgbClr val="95B3D7"/>
+                </a:solidFill>
+              </a:rPr>
+              <a:t>HBP</a:t>
+            </a:r>
+            <a:r>
+              <a:rPr lang="en-US" dirty="0" smtClean="0"/>
+              <a:t> + </a:t>
+            </a:r>
+            <a:r>
+              <a:rPr lang="en-US" dirty="0" smtClean="0">
+                <a:solidFill>
+                  <a:srgbClr val="95B3D7"/>
+                </a:solidFill>
+              </a:rPr>
+              <a:t>BB</a:t>
+            </a:r>
+            <a:r>
+              <a:rPr lang="en-US" dirty="0" smtClean="0"/>
+              <a:t> + </a:t>
+            </a:r>
+            <a:r>
+              <a:rPr lang="en-US" dirty="0" smtClean="0">
+                <a:solidFill>
+                  <a:srgbClr val="95B3D7"/>
+                </a:solidFill>
+              </a:rPr>
+              <a:t>SB</a:t>
+            </a:r>
+            <a:r>
+              <a:rPr lang="en-US" dirty="0" smtClean="0"/>
+              <a:t> – </a:t>
+            </a:r>
+            <a:r>
+              <a:rPr lang="en-US" dirty="0" smtClean="0">
+                <a:solidFill>
+                  <a:srgbClr val="95B3D7"/>
+                </a:solidFill>
+              </a:rPr>
+              <a:t>CS</a:t>
             </a:r>
           </a:p>
           <a:p>
@@ -4765,18 +5861,34 @@
               <a:buNone/>
             </a:pPr>
             <a:r>
-              <a:rPr lang="en-US" dirty="0" err="1" smtClean="0"/>
+              <a:rPr lang="en-US" dirty="0" err="1" smtClean="0">
+                <a:solidFill>
+                  <a:srgbClr val="9BBB59"/>
+                </a:solidFill>
+              </a:rPr>
               <a:t>TB</a:t>
             </a:r>
             <a:r>
-              <a:rPr lang="en-US" baseline="30000" dirty="0" err="1" smtClean="0"/>
+              <a:rPr lang="en-US" baseline="30000" dirty="0" err="1" smtClean="0">
+                <a:solidFill>
+                  <a:srgbClr val="9BBB59"/>
+                </a:solidFill>
+              </a:rPr>
               <a:t>+</a:t>
             </a:r>
             <a:r>
-              <a:rPr lang="en-US" baseline="-25000" dirty="0" err="1" smtClean="0"/>
+              <a:rPr lang="en-US" baseline="-25000" dirty="0" err="1" smtClean="0">
+                <a:solidFill>
+                  <a:srgbClr val="9BBB59"/>
+                </a:solidFill>
+              </a:rPr>
               <a:t>def</a:t>
             </a:r>
-            <a:endParaRPr lang="en-US" baseline="-25000" dirty="0" smtClean="0"/>
+            <a:endParaRPr lang="en-US" baseline="-25000" dirty="0" smtClean="0">
+              <a:solidFill>
+                <a:srgbClr val="9BBB59"/>
+              </a:solidFill>
+            </a:endParaRPr>
           </a:p>
           <a:p>
             <a:pPr marL="0" indent="0">
@@ -4784,37 +5896,126 @@
             </a:pPr>
             <a:r>
               <a:rPr lang="en-US" sz="2800" dirty="0"/>
-              <a:t>=  1B + 2B*2 + 3B*3 + HR*4 + HBP + BB + SB – </a:t>
+              <a:t>=  </a:t>
+            </a:r>
+            <a:r>
+              <a:rPr lang="en-US" sz="2800" dirty="0">
+                <a:solidFill>
+                  <a:schemeClr val="bg2">
+                    <a:lumMod val="40000"/>
+                    <a:lumOff val="60000"/>
+                  </a:schemeClr>
+                </a:solidFill>
+              </a:rPr>
+              <a:t>1B</a:t>
+            </a:r>
+            <a:r>
+              <a:rPr lang="en-US" sz="2800" dirty="0"/>
+              <a:t> + </a:t>
+            </a:r>
+            <a:r>
+              <a:rPr lang="en-US" sz="2800" dirty="0">
+                <a:solidFill>
+                  <a:srgbClr val="8EB4E3"/>
+                </a:solidFill>
+              </a:rPr>
+              <a:t>2B</a:t>
+            </a:r>
+            <a:r>
+              <a:rPr lang="en-US" sz="2800" dirty="0"/>
+              <a:t>*2 + </a:t>
+            </a:r>
+            <a:r>
+              <a:rPr lang="en-US" sz="2800" dirty="0">
+                <a:solidFill>
+                  <a:srgbClr val="8EB4E3"/>
+                </a:solidFill>
+              </a:rPr>
+              <a:t>3B</a:t>
+            </a:r>
+            <a:r>
+              <a:rPr lang="en-US" sz="2800" dirty="0"/>
+              <a:t>*3 + </a:t>
+            </a:r>
+            <a:r>
+              <a:rPr lang="en-US" sz="2800" dirty="0">
+                <a:solidFill>
+                  <a:srgbClr val="8EB4E3"/>
+                </a:solidFill>
+              </a:rPr>
+              <a:t>HR</a:t>
+            </a:r>
+            <a:r>
+              <a:rPr lang="en-US" sz="2800" dirty="0"/>
+              <a:t>*4 + </a:t>
+            </a:r>
+            <a:r>
+              <a:rPr lang="en-US" sz="2800" dirty="0">
+                <a:solidFill>
+                  <a:srgbClr val="8EB4E3"/>
+                </a:solidFill>
+              </a:rPr>
+              <a:t>HBP</a:t>
+            </a:r>
+            <a:r>
+              <a:rPr lang="en-US" sz="2800" dirty="0"/>
+              <a:t> + </a:t>
+            </a:r>
+            <a:r>
+              <a:rPr lang="en-US" sz="2800" dirty="0">
+                <a:solidFill>
+                  <a:srgbClr val="8EB4E3"/>
+                </a:solidFill>
+              </a:rPr>
+              <a:t>BB</a:t>
+            </a:r>
+            <a:r>
+              <a:rPr lang="en-US" sz="2800" dirty="0"/>
+              <a:t> + </a:t>
+            </a:r>
+            <a:r>
+              <a:rPr lang="en-US" sz="2800" dirty="0">
+                <a:solidFill>
+                  <a:srgbClr val="8EB4E3"/>
+                </a:solidFill>
+              </a:rPr>
+              <a:t>SB</a:t>
+            </a:r>
+            <a:r>
+              <a:rPr lang="en-US" sz="2800" dirty="0"/>
+              <a:t> – </a:t>
+            </a:r>
+            <a:r>
+              <a:rPr lang="en-US" sz="2800" dirty="0" smtClean="0">
+                <a:solidFill>
+                  <a:srgbClr val="8EB4E3"/>
+                </a:solidFill>
+              </a:rPr>
+              <a:t>CS</a:t>
             </a:r>
             <a:r>
               <a:rPr lang="en-US" sz="2800" dirty="0" smtClean="0"/>
-              <a:t>CS + ROE</a:t>
-            </a:r>
-            <a:endParaRPr lang="en-US" sz="2800" dirty="0"/>
+              <a:t> + </a:t>
+            </a:r>
+            <a:r>
+              <a:rPr lang="en-US" sz="2800" dirty="0" smtClean="0">
+                <a:solidFill>
+                  <a:srgbClr val="8EB4E3"/>
+                </a:solidFill>
+              </a:rPr>
+              <a:t>ROE</a:t>
+            </a:r>
+            <a:endParaRPr lang="en-US" sz="2800" dirty="0">
+              <a:solidFill>
+                <a:srgbClr val="8EB4E3"/>
+              </a:solidFill>
+            </a:endParaRPr>
           </a:p>
           <a:p>
             <a:pPr marL="0" indent="0">
               <a:buNone/>
             </a:pPr>
             <a:endParaRPr lang="en-US" dirty="0" smtClean="0"/>
-          </a:p>
-          <a:p>
-            <a:pPr marL="0" indent="0">
-              <a:buNone/>
-            </a:pPr>
-            <a:r>
-              <a:rPr lang="en-US" dirty="0" smtClean="0"/>
-              <a:t>	TB</a:t>
-            </a:r>
-            <a:r>
-              <a:rPr lang="en-US" baseline="30000" dirty="0" smtClean="0"/>
-              <a:t>+</a:t>
-            </a:r>
-            <a:r>
-              <a:rPr lang="en-US" dirty="0" smtClean="0"/>
-              <a:t> / Runs = Efficiency</a:t>
-            </a:r>
-            <a:endParaRPr lang="en-US" dirty="0"/>
           </a:p>
         </p:txBody>
       </p:sp>
@@ -4865,42 +6066,231 @@
             <p:ph type="title"/>
           </p:nvPr>
         </p:nvSpPr>
-        <p:spPr/>
-        <p:txBody>
-          <a:bodyPr/>
-          <a:lstStyle/>
-          <a:p>
-            <a:endParaRPr lang="en-US"/>
-          </a:p>
-        </p:txBody>
-      </p:sp>
-      <p:sp>
-        <p:nvSpPr>
-          <p:cNvPr id="3" name="Content Placeholder 2"/>
-          <p:cNvSpPr>
-            <a:spLocks noGrp="1"/>
-          </p:cNvSpPr>
-          <p:nvPr>
-            <p:ph idx="1"/>
-          </p:nvPr>
-        </p:nvSpPr>
-        <p:spPr/>
-        <p:txBody>
-          <a:bodyPr/>
-          <a:lstStyle/>
-          <a:p>
-            <a:r>
-              <a:rPr lang="en-US" dirty="0" smtClean="0"/>
-              <a:t>Show graphs/results</a:t>
-            </a:r>
-            <a:endParaRPr lang="en-US" dirty="0"/>
-          </a:p>
-        </p:txBody>
-      </p:sp>
+        <p:spPr>
+          <a:xfrm>
+            <a:off x="0" y="2576624"/>
+            <a:ext cx="4437238" cy="1143000"/>
+          </a:xfrm>
+        </p:spPr>
+        <p:txBody>
+          <a:bodyPr>
+            <a:noAutofit/>
+          </a:bodyPr>
+          <a:lstStyle/>
+          <a:p>
+            <a:r>
+              <a:rPr lang="en-US" sz="7000" dirty="0"/>
+              <a:t>	</a:t>
+            </a:r>
+            <a:r>
+              <a:rPr lang="en-US" sz="7000" dirty="0" smtClean="0"/>
+              <a:t>TB</a:t>
+            </a:r>
+            <a:r>
+              <a:rPr lang="en-US" sz="7000" baseline="30000" dirty="0"/>
+              <a:t>+</a:t>
+            </a:r>
+            <a:r>
+              <a:rPr lang="en-US" sz="7000" dirty="0"/>
+              <a:t> </a:t>
+            </a:r>
+            <a:r>
+              <a:rPr lang="en-US" sz="7000" dirty="0" smtClean="0"/>
+              <a:t> </a:t>
+            </a:r>
+            <a:r>
+              <a:rPr lang="en-US" sz="7000" dirty="0"/>
+              <a:t/>
+            </a:r>
+            <a:br>
+              <a:rPr lang="en-US" sz="7000" dirty="0"/>
+            </a:br>
+            <a:endParaRPr lang="en-US" sz="7000" dirty="0"/>
+          </a:p>
+        </p:txBody>
+      </p:sp>
+      <p:sp>
+        <p:nvSpPr>
+          <p:cNvPr id="4" name="Title 1"/>
+          <p:cNvSpPr txBox="1">
+            <a:spLocks/>
+          </p:cNvSpPr>
+          <p:nvPr/>
+        </p:nvSpPr>
+        <p:spPr>
+          <a:xfrm>
+            <a:off x="0" y="3719624"/>
+            <a:ext cx="4437238" cy="1143000"/>
+          </a:xfrm>
+          <a:prstGeom prst="rect">
+            <a:avLst/>
+          </a:prstGeom>
+        </p:spPr>
+        <p:txBody>
+          <a:bodyPr vert="horz" lIns="91440" tIns="45720" rIns="91440" bIns="45720" rtlCol="0" anchor="ctr">
+            <a:noAutofit/>
+          </a:bodyPr>
+          <a:lstStyle>
+            <a:lvl1pPr algn="ctr" defTabSz="914400" rtl="0" eaLnBrk="1" latinLnBrk="0" hangingPunct="1">
+              <a:spcBef>
+                <a:spcPct val="0"/>
+              </a:spcBef>
+              <a:buNone/>
+              <a:defRPr sz="4400" kern="1200">
+                <a:solidFill>
+                  <a:schemeClr val="tx1"/>
+                </a:solidFill>
+                <a:latin typeface="+mj-lt"/>
+                <a:ea typeface="+mj-ea"/>
+                <a:cs typeface="+mj-cs"/>
+              </a:defRPr>
+            </a:lvl1pPr>
+          </a:lstStyle>
+          <a:p>
+            <a:r>
+              <a:rPr lang="en-US" sz="7000" dirty="0" smtClean="0"/>
+              <a:t>Runs</a:t>
+            </a:r>
+            <a:br>
+              <a:rPr lang="en-US" sz="7000" dirty="0" smtClean="0"/>
+            </a:br>
+            <a:endParaRPr lang="en-US" sz="7000" dirty="0"/>
+          </a:p>
+        </p:txBody>
+      </p:sp>
+      <p:sp>
+        <p:nvSpPr>
+          <p:cNvPr id="5" name="Title 1"/>
+          <p:cNvSpPr txBox="1">
+            <a:spLocks/>
+          </p:cNvSpPr>
+          <p:nvPr/>
+        </p:nvSpPr>
+        <p:spPr>
+          <a:xfrm>
+            <a:off x="2099565" y="2729024"/>
+            <a:ext cx="4437238" cy="1143000"/>
+          </a:xfrm>
+          <a:prstGeom prst="rect">
+            <a:avLst/>
+          </a:prstGeom>
+        </p:spPr>
+        <p:txBody>
+          <a:bodyPr vert="horz" lIns="91440" tIns="45720" rIns="91440" bIns="45720" rtlCol="0" anchor="ctr">
+            <a:noAutofit/>
+          </a:bodyPr>
+          <a:lstStyle>
+            <a:lvl1pPr algn="ctr" defTabSz="914400" rtl="0" eaLnBrk="1" latinLnBrk="0" hangingPunct="1">
+              <a:spcBef>
+                <a:spcPct val="0"/>
+              </a:spcBef>
+              <a:buNone/>
+              <a:defRPr sz="4400" kern="1200">
+                <a:solidFill>
+                  <a:schemeClr val="tx1"/>
+                </a:solidFill>
+                <a:latin typeface="+mj-lt"/>
+                <a:ea typeface="+mj-ea"/>
+                <a:cs typeface="+mj-cs"/>
+              </a:defRPr>
+            </a:lvl1pPr>
+          </a:lstStyle>
+          <a:p>
+            <a:r>
+              <a:rPr lang="en-US" sz="7000" dirty="0"/>
+              <a:t>=</a:t>
+            </a:r>
+          </a:p>
+        </p:txBody>
+      </p:sp>
+      <p:sp>
+        <p:nvSpPr>
+          <p:cNvPr id="7" name="Title 1"/>
+          <p:cNvSpPr txBox="1">
+            <a:spLocks/>
+          </p:cNvSpPr>
+          <p:nvPr/>
+        </p:nvSpPr>
+        <p:spPr>
+          <a:xfrm>
+            <a:off x="4470584" y="2729024"/>
+            <a:ext cx="4437238" cy="1143000"/>
+          </a:xfrm>
+          <a:prstGeom prst="rect">
+            <a:avLst/>
+          </a:prstGeom>
+        </p:spPr>
+        <p:txBody>
+          <a:bodyPr vert="horz" lIns="91440" tIns="45720" rIns="91440" bIns="45720" rtlCol="0" anchor="ctr">
+            <a:noAutofit/>
+          </a:bodyPr>
+          <a:lstStyle>
+            <a:lvl1pPr algn="ctr" defTabSz="914400" rtl="0" eaLnBrk="1" latinLnBrk="0" hangingPunct="1">
+              <a:spcBef>
+                <a:spcPct val="0"/>
+              </a:spcBef>
+              <a:buNone/>
+              <a:defRPr sz="4400" kern="1200">
+                <a:solidFill>
+                  <a:schemeClr val="tx1"/>
+                </a:solidFill>
+                <a:latin typeface="+mj-lt"/>
+                <a:ea typeface="+mj-ea"/>
+                <a:cs typeface="+mj-cs"/>
+              </a:defRPr>
+            </a:lvl1pPr>
+          </a:lstStyle>
+          <a:p>
+            <a:r>
+              <a:rPr lang="en-US" sz="7000" dirty="0" smtClean="0">
+                <a:solidFill>
+                  <a:schemeClr val="accent3"/>
+                </a:solidFill>
+              </a:rPr>
+              <a:t>Efficiency</a:t>
+            </a:r>
+            <a:endParaRPr lang="en-US" sz="7000" dirty="0">
+              <a:solidFill>
+                <a:schemeClr val="accent3"/>
+              </a:solidFill>
+            </a:endParaRPr>
+          </a:p>
+        </p:txBody>
+      </p:sp>
+      <p:cxnSp>
+        <p:nvCxnSpPr>
+          <p:cNvPr id="8" name="Straight Connector 7"/>
+          <p:cNvCxnSpPr/>
+          <p:nvPr/>
+        </p:nvCxnSpPr>
+        <p:spPr>
+          <a:xfrm>
+            <a:off x="1150854" y="3360370"/>
+            <a:ext cx="2275251" cy="0"/>
+          </a:xfrm>
+          <a:prstGeom prst="line">
+            <a:avLst/>
+          </a:prstGeom>
+        </p:spPr>
+        <p:style>
+          <a:lnRef idx="2">
+            <a:schemeClr val="accent1"/>
+          </a:lnRef>
+          <a:fillRef idx="0">
+            <a:schemeClr val="accent1"/>
+          </a:fillRef>
+          <a:effectRef idx="1">
+            <a:schemeClr val="accent1"/>
+          </a:effectRef>
+          <a:fontRef idx="minor">
+            <a:schemeClr val="tx1"/>
+          </a:fontRef>
+        </p:style>
+      </p:cxnSp>
     </p:spTree>
     <p:extLst>
       <p:ext uri="{BB962C8B-B14F-4D97-AF65-F5344CB8AC3E}">
-        <p14:creationId xmlns:p14="http://schemas.microsoft.com/office/powerpoint/2010/main" val="2116415065"/>
+        <p14:creationId xmlns:p14="http://schemas.microsoft.com/office/powerpoint/2010/main" val="2005343649"/>
       </p:ext>
     </p:extLst>
   </p:cSld>
@@ -4944,159 +6334,33 @@
             <p:ph type="title"/>
           </p:nvPr>
         </p:nvSpPr>
-        <p:spPr>
-          <a:xfrm>
-            <a:off x="0" y="2530697"/>
-            <a:ext cx="9144000" cy="1143000"/>
-          </a:xfrm>
-        </p:spPr>
-        <p:txBody>
-          <a:bodyPr>
-            <a:normAutofit/>
-          </a:bodyPr>
+        <p:spPr/>
+        <p:txBody>
+          <a:bodyPr/>
+          <a:lstStyle/>
+          <a:p>
+            <a:endParaRPr lang="en-US"/>
+          </a:p>
+        </p:txBody>
+      </p:sp>
+      <p:sp>
+        <p:nvSpPr>
+          <p:cNvPr id="3" name="Content Placeholder 2"/>
+          <p:cNvSpPr>
+            <a:spLocks noGrp="1"/>
+          </p:cNvSpPr>
+          <p:nvPr>
+            <p:ph idx="1"/>
+          </p:nvPr>
+        </p:nvSpPr>
+        <p:spPr/>
+        <p:txBody>
+          <a:bodyPr/>
           <a:lstStyle/>
           <a:p>
             <a:r>
               <a:rPr lang="en-US" dirty="0" smtClean="0"/>
-              <a:t>Efficiency </a:t>
-            </a:r>
-            <a:r>
-              <a:rPr lang="en-US" baseline="-25000" dirty="0" smtClean="0"/>
-              <a:t>projected</a:t>
-            </a:r>
-            <a:r>
-              <a:rPr lang="en-US" dirty="0" smtClean="0"/>
-              <a:t> = R</a:t>
-            </a:r>
-            <a:r>
-              <a:rPr lang="en-US" baseline="30000" dirty="0" smtClean="0"/>
-              <a:t>2 </a:t>
-            </a:r>
-            <a:r>
-              <a:rPr lang="en-US" dirty="0" smtClean="0"/>
-              <a:t>* β + (1 - R</a:t>
-            </a:r>
-            <a:r>
-              <a:rPr lang="en-US" baseline="30000" dirty="0" smtClean="0"/>
-              <a:t>2</a:t>
-            </a:r>
-            <a:r>
-              <a:rPr lang="en-US" dirty="0" smtClean="0"/>
-              <a:t>) * α</a:t>
-            </a:r>
-            <a:endParaRPr lang="en-US" dirty="0"/>
-          </a:p>
-        </p:txBody>
-      </p:sp>
-      <p:sp>
-        <p:nvSpPr>
-          <p:cNvPr id="3" name="Content Placeholder 2"/>
-          <p:cNvSpPr>
-            <a:spLocks noGrp="1"/>
-          </p:cNvSpPr>
-          <p:nvPr>
-            <p:ph idx="1"/>
-          </p:nvPr>
-        </p:nvSpPr>
-        <p:spPr>
-          <a:xfrm>
-            <a:off x="640999" y="1600200"/>
-            <a:ext cx="8229600" cy="4525963"/>
-          </a:xfrm>
-        </p:spPr>
-        <p:txBody>
-          <a:bodyPr/>
-          <a:lstStyle/>
-          <a:p>
-            <a:pPr marL="0" indent="0" algn="ctr">
-              <a:buNone/>
-            </a:pPr>
-            <a:r>
-              <a:rPr lang="en-US" dirty="0"/>
-              <a:t>p</a:t>
-            </a:r>
-            <a:r>
-              <a:rPr lang="en-US" dirty="0" smtClean="0"/>
-              <a:t>-value &lt; 0.001</a:t>
-            </a:r>
-          </a:p>
-          <a:p>
-            <a:pPr marL="0" indent="0" algn="ctr">
-              <a:buNone/>
-            </a:pPr>
-            <a:r>
-              <a:rPr lang="en-US" dirty="0" smtClean="0"/>
-              <a:t> </a:t>
-            </a:r>
-            <a:endParaRPr lang="en-US" dirty="0"/>
-          </a:p>
-        </p:txBody>
-      </p:sp>
-      <p:sp>
-        <p:nvSpPr>
-          <p:cNvPr id="5" name="Title 1"/>
-          <p:cNvSpPr txBox="1">
-            <a:spLocks/>
-          </p:cNvSpPr>
-          <p:nvPr/>
-        </p:nvSpPr>
-        <p:spPr>
-          <a:xfrm>
-            <a:off x="0" y="4103578"/>
-            <a:ext cx="9144000" cy="1143000"/>
-          </a:xfrm>
-          <a:prstGeom prst="rect">
-            <a:avLst/>
-          </a:prstGeom>
-        </p:spPr>
-        <p:txBody>
-          <a:bodyPr vert="horz" lIns="91440" tIns="45720" rIns="91440" bIns="45720" rtlCol="0" anchor="ctr">
-            <a:normAutofit/>
-          </a:bodyPr>
-          <a:lstStyle>
-            <a:lvl1pPr algn="ctr" defTabSz="914400" rtl="0" eaLnBrk="1" latinLnBrk="0" hangingPunct="1">
-              <a:spcBef>
-                <a:spcPct val="0"/>
-              </a:spcBef>
-              <a:buNone/>
-              <a:defRPr sz="4400" kern="1200">
-                <a:solidFill>
-                  <a:schemeClr val="tx1"/>
-                </a:solidFill>
-                <a:latin typeface="+mj-lt"/>
-                <a:ea typeface="+mj-ea"/>
-                <a:cs typeface="+mj-cs"/>
-              </a:defRPr>
-            </a:lvl1pPr>
-          </a:lstStyle>
-          <a:p>
-            <a:r>
-              <a:rPr lang="en-US" dirty="0" smtClean="0"/>
-              <a:t>Runs </a:t>
-            </a:r>
-            <a:r>
-              <a:rPr lang="en-US" baseline="-25000" dirty="0" smtClean="0"/>
-              <a:t>projected</a:t>
-            </a:r>
-            <a:r>
-              <a:rPr lang="en-US" dirty="0" smtClean="0"/>
-              <a:t> = (162/G – 1)  *  TB</a:t>
-            </a:r>
-            <a:r>
-              <a:rPr lang="en-US" baseline="30000" dirty="0" smtClean="0"/>
-              <a:t>+</a:t>
-            </a:r>
-            <a:r>
-              <a:rPr lang="en-US" dirty="0" smtClean="0"/>
-              <a:t>/</a:t>
-            </a:r>
-            <a:r>
-              <a:rPr lang="en-US" dirty="0" err="1" smtClean="0"/>
-              <a:t>Eff</a:t>
-            </a:r>
-            <a:r>
-              <a:rPr lang="en-US" baseline="-25000" dirty="0" err="1" smtClean="0"/>
-              <a:t>proj</a:t>
+              <a:t>Show graphs/results</a:t>
             </a:r>
             <a:endParaRPr lang="en-US" dirty="0"/>
           </a:p>
@@ -5105,7 +6369,7 @@
     </p:spTree>
     <p:extLst>
       <p:ext uri="{BB962C8B-B14F-4D97-AF65-F5344CB8AC3E}">
-        <p14:creationId xmlns:p14="http://schemas.microsoft.com/office/powerpoint/2010/main" val="3061178980"/>
+        <p14:creationId xmlns:p14="http://schemas.microsoft.com/office/powerpoint/2010/main" val="2116415065"/>
       </p:ext>
     </p:extLst>
   </p:cSld>
@@ -5151,8 +6415,8 @@
         </p:nvSpPr>
         <p:spPr>
           <a:xfrm>
-            <a:off x="457200" y="2779944"/>
-            <a:ext cx="4476922" cy="1143000"/>
+            <a:off x="0" y="2530697"/>
+            <a:ext cx="9144000" cy="1143000"/>
           </a:xfrm>
         </p:spPr>
         <p:txBody>
@@ -5162,10 +6426,34 @@
           <a:lstStyle/>
           <a:p>
             <a:r>
-              <a:rPr lang="en-US" sz="6000" dirty="0" smtClean="0"/>
-              <a:t>W%  =  </a:t>
-            </a:r>
-            <a:endParaRPr lang="en-US" sz="6000" dirty="0"/>
+              <a:rPr lang="en-US" dirty="0" smtClean="0"/>
+              <a:t>Efficiency </a:t>
+            </a:r>
+            <a:r>
+              <a:rPr lang="en-US" baseline="-25000" dirty="0" smtClean="0"/>
+              <a:t>projected</a:t>
+            </a:r>
+            <a:r>
+              <a:rPr lang="en-US" dirty="0" smtClean="0"/>
+              <a:t> = R</a:t>
+            </a:r>
+            <a:r>
+              <a:rPr lang="en-US" baseline="30000" dirty="0" smtClean="0"/>
+              <a:t>2 </a:t>
+            </a:r>
+            <a:r>
+              <a:rPr lang="en-US" dirty="0" smtClean="0"/>
+              <a:t>* β + (1 - R</a:t>
+            </a:r>
+            <a:r>
+              <a:rPr lang="en-US" baseline="30000" dirty="0" smtClean="0"/>
+              <a:t>2</a:t>
+            </a:r>
+            <a:r>
+              <a:rPr lang="en-US" dirty="0" smtClean="0"/>
+              <a:t>) * α</a:t>
+            </a:r>
+            <a:endParaRPr lang="en-US" dirty="0"/>
           </a:p>
         </p:txBody>
       </p:sp>
@@ -5181,121 +6469,58 @@
         </p:nvSpPr>
         <p:spPr>
           <a:xfrm>
-            <a:off x="457200" y="1600200"/>
-            <a:ext cx="8229600" cy="1151599"/>
+            <a:off x="640999" y="1600200"/>
+            <a:ext cx="8229600" cy="4525963"/>
           </a:xfrm>
         </p:spPr>
         <p:txBody>
-          <a:bodyPr>
-            <a:normAutofit/>
-          </a:bodyPr>
+          <a:bodyPr/>
           <a:lstStyle/>
           <a:p>
             <a:pPr marL="0" indent="0" algn="ctr">
               <a:buNone/>
             </a:pPr>
             <a:r>
-              <a:rPr lang="en-US" sz="4000" b="1" spc="200" dirty="0" smtClean="0">
-                <a:ln w="29210">
-                  <a:solidFill>
-                    <a:schemeClr val="accent3">
-                      <a:tint val="10000"/>
-                    </a:schemeClr>
-                  </a:solidFill>
-                </a:ln>
+              <a:rPr lang="en-US" dirty="0">
                 <a:solidFill>
-                  <a:schemeClr val="accent3">
-                    <a:satMod val="200000"/>
-                    <a:alpha val="50000"/>
-                  </a:schemeClr>
+                  <a:srgbClr val="9BBB59"/>
                 </a:solidFill>
-                <a:effectLst>
-                  <a:innerShdw blurRad="50800" dist="50800" dir="8100000">
-                    <a:srgbClr val="7D7D7D">
-                      <a:alpha val="73000"/>
-                    </a:srgbClr>
-                  </a:innerShdw>
-                </a:effectLst>
               </a:rPr>
-              <a:t>Pythagorean Expectation</a:t>
-            </a:r>
-            <a:endParaRPr lang="en-US" sz="4000" b="1" dirty="0">
-              <a:ln w="31550" cmpd="sng">
-                <a:gradFill>
-                  <a:gsLst>
-                    <a:gs pos="25000">
-                      <a:schemeClr val="accent1">
-                        <a:shade val="25000"/>
-                        <a:satMod val="190000"/>
-                      </a:schemeClr>
-                    </a:gs>
-                    <a:gs pos="80000">
-                      <a:schemeClr val="accent1">
-                        <a:tint val="75000"/>
-                        <a:satMod val="190000"/>
-                      </a:schemeClr>
-                    </a:gs>
-                  </a:gsLst>
-                  <a:lin ang="5400000"/>
-                </a:gradFill>
-                <a:prstDash val="solid"/>
-              </a:ln>
-              <a:solidFill>
-                <a:srgbClr val="FFFFFF"/>
-              </a:solidFill>
-              <a:effectLst>
-                <a:outerShdw blurRad="41275" dist="12700" dir="12000000" algn="tl" rotWithShape="0">
-                  <a:srgbClr val="000000">
-                    <a:alpha val="40000"/>
-                  </a:srgbClr>
-                </a:outerShdw>
-              </a:effectLst>
-            </a:endParaRPr>
-          </a:p>
-        </p:txBody>
-      </p:sp>
-      <p:cxnSp>
-        <p:nvCxnSpPr>
-          <p:cNvPr id="6" name="Straight Connector 5"/>
-          <p:cNvCxnSpPr/>
+              <a:t>p</a:t>
+            </a:r>
+            <a:r>
+              <a:rPr lang="en-US" dirty="0" smtClean="0">
+                <a:solidFill>
+                  <a:srgbClr val="9BBB59"/>
+                </a:solidFill>
+              </a:rPr>
+              <a:t>-value &lt; 0.001</a:t>
+            </a:r>
+          </a:p>
+          <a:p>
+            <a:pPr marL="0" indent="0" algn="ctr">
+              <a:buNone/>
+            </a:pPr>
+            <a:r>
+              <a:rPr lang="en-US" dirty="0" smtClean="0"/>
+              <a:t> </a:t>
+            </a:r>
+            <a:endParaRPr lang="en-US" dirty="0"/>
+          </a:p>
+        </p:txBody>
+      </p:sp>
+      <p:sp>
+        <p:nvSpPr>
+          <p:cNvPr id="5" name="Title 1"/>
+          <p:cNvSpPr txBox="1">
+            <a:spLocks/>
+          </p:cNvSpPr>
           <p:nvPr/>
-        </p:nvCxnSpPr>
+        </p:nvSpPr>
         <p:spPr>
           <a:xfrm>
-            <a:off x="4312396" y="3585277"/>
-            <a:ext cx="4008148" cy="0"/>
-          </a:xfrm>
-          <a:prstGeom prst="line">
-            <a:avLst/>
-          </a:prstGeom>
-        </p:spPr>
-        <p:style>
-          <a:lnRef idx="2">
-            <a:schemeClr val="accent1"/>
-          </a:lnRef>
-          <a:fillRef idx="0">
-            <a:schemeClr val="accent1"/>
-          </a:fillRef>
-          <a:effectRef idx="1">
-            <a:schemeClr val="accent1"/>
-          </a:effectRef>
-          <a:fontRef idx="minor">
-            <a:schemeClr val="tx1"/>
-          </a:fontRef>
-        </p:style>
-      </p:cxnSp>
-      <p:sp>
-        <p:nvSpPr>
-          <p:cNvPr id="7" name="Title 1"/>
-          <p:cNvSpPr txBox="1">
-            <a:spLocks/>
-          </p:cNvSpPr>
-          <p:nvPr/>
-        </p:nvSpPr>
-        <p:spPr>
-          <a:xfrm>
-            <a:off x="3843622" y="2359155"/>
-            <a:ext cx="4476922" cy="1143000"/>
+            <a:off x="0" y="4103578"/>
+            <a:ext cx="9144000" cy="1143000"/>
           </a:xfrm>
           <a:prstGeom prst="rect">
             <a:avLst/>
@@ -5323,249 +6548,41 @@
           </a:lstStyle>
           <a:p>
             <a:r>
-              <a:rPr lang="en-US" sz="4000" dirty="0" smtClean="0"/>
-              <a:t>(RS)</a:t>
-            </a:r>
-            <a:r>
-              <a:rPr lang="en-US" sz="4000" baseline="30000" dirty="0" smtClean="0">
-                <a:solidFill>
-                  <a:srgbClr val="77933C"/>
-                </a:solidFill>
-              </a:rPr>
-              <a:t>e</a:t>
-            </a:r>
-            <a:endParaRPr lang="en-US" sz="4000" dirty="0">
-              <a:solidFill>
-                <a:srgbClr val="77933C"/>
-              </a:solidFill>
-            </a:endParaRPr>
-          </a:p>
-        </p:txBody>
-      </p:sp>
-      <p:sp>
-        <p:nvSpPr>
-          <p:cNvPr id="8" name="Title 1"/>
-          <p:cNvSpPr txBox="1">
-            <a:spLocks/>
-          </p:cNvSpPr>
-          <p:nvPr/>
-        </p:nvSpPr>
-        <p:spPr>
-          <a:xfrm>
-            <a:off x="3843622" y="3329652"/>
-            <a:ext cx="4476922" cy="1143000"/>
-          </a:xfrm>
-          <a:prstGeom prst="rect">
-            <a:avLst/>
-          </a:prstGeom>
-        </p:spPr>
-        <p:txBody>
-          <a:bodyPr vert="horz" lIns="91440" tIns="45720" rIns="91440" bIns="45720" rtlCol="0" anchor="ctr">
-            <a:normAutofit/>
-          </a:bodyPr>
-          <a:lstStyle>
-            <a:lvl1pPr algn="ctr" defTabSz="914400" rtl="0" eaLnBrk="1" latinLnBrk="0" hangingPunct="1">
-              <a:spcBef>
-                <a:spcPct val="0"/>
-              </a:spcBef>
-              <a:buNone/>
-              <a:defRPr sz="4400" kern="1200">
-                <a:solidFill>
-                  <a:schemeClr val="tx1"/>
-                </a:solidFill>
-                <a:latin typeface="+mj-lt"/>
-                <a:ea typeface="+mj-ea"/>
-                <a:cs typeface="+mj-cs"/>
-              </a:defRPr>
-            </a:lvl1pPr>
-          </a:lstStyle>
-          <a:p>
-            <a:r>
-              <a:rPr lang="en-US" sz="4000" dirty="0" smtClean="0"/>
-              <a:t>(RS)</a:t>
-            </a:r>
-            <a:r>
-              <a:rPr lang="en-US" sz="4000" baseline="30000" dirty="0" smtClean="0">
-                <a:solidFill>
-                  <a:srgbClr val="77933C"/>
-                </a:solidFill>
-              </a:rPr>
-              <a:t>e</a:t>
-            </a:r>
-            <a:r>
-              <a:rPr lang="en-US" sz="4000" dirty="0" smtClean="0"/>
-              <a:t> + (RA)</a:t>
-            </a:r>
-            <a:r>
-              <a:rPr lang="en-US" sz="4000" baseline="30000" dirty="0" smtClean="0">
-                <a:solidFill>
-                  <a:srgbClr val="77933C"/>
-                </a:solidFill>
-              </a:rPr>
-              <a:t>e</a:t>
-            </a:r>
-            <a:endParaRPr lang="en-US" sz="4000" dirty="0">
-              <a:solidFill>
-                <a:srgbClr val="77933C"/>
-              </a:solidFill>
-            </a:endParaRPr>
-          </a:p>
-        </p:txBody>
-      </p:sp>
-      <p:sp>
-        <p:nvSpPr>
-          <p:cNvPr id="10" name="Title 1"/>
-          <p:cNvSpPr txBox="1">
-            <a:spLocks/>
-          </p:cNvSpPr>
-          <p:nvPr/>
-        </p:nvSpPr>
-        <p:spPr>
-          <a:xfrm>
-            <a:off x="2324570" y="4654791"/>
-            <a:ext cx="4476922" cy="1465793"/>
-          </a:xfrm>
-          <a:prstGeom prst="rect">
-            <a:avLst/>
-          </a:prstGeom>
-        </p:spPr>
-        <p:txBody>
-          <a:bodyPr vert="horz" lIns="91440" tIns="45720" rIns="91440" bIns="45720" rtlCol="0" anchor="ctr">
-            <a:normAutofit/>
-          </a:bodyPr>
-          <a:lstStyle>
-            <a:lvl1pPr algn="ctr" defTabSz="914400" rtl="0" eaLnBrk="1" latinLnBrk="0" hangingPunct="1">
-              <a:spcBef>
-                <a:spcPct val="0"/>
-              </a:spcBef>
-              <a:buNone/>
-              <a:defRPr sz="4400" kern="1200">
-                <a:solidFill>
-                  <a:schemeClr val="tx1"/>
-                </a:solidFill>
-                <a:latin typeface="+mj-lt"/>
-                <a:ea typeface="+mj-ea"/>
-                <a:cs typeface="+mj-cs"/>
-              </a:defRPr>
-            </a:lvl1pPr>
-          </a:lstStyle>
-          <a:p>
-            <a:r>
-              <a:rPr lang="en-US" sz="5500" dirty="0" smtClean="0">
-                <a:solidFill>
-                  <a:schemeClr val="accent3">
-                    <a:lumMod val="75000"/>
-                  </a:schemeClr>
-                </a:solidFill>
-              </a:rPr>
-              <a:t>e </a:t>
-            </a:r>
-            <a:r>
-              <a:rPr lang="en-US" sz="4500" dirty="0" smtClean="0"/>
-              <a:t>= (          ) </a:t>
-            </a:r>
-            <a:r>
-              <a:rPr lang="en-US" sz="3500" baseline="30000" dirty="0" smtClean="0"/>
-              <a:t>.287</a:t>
-            </a:r>
-            <a:endParaRPr lang="en-US" sz="3500" dirty="0"/>
-          </a:p>
-        </p:txBody>
-      </p:sp>
-      <p:cxnSp>
-        <p:nvCxnSpPr>
-          <p:cNvPr id="11" name="Straight Connector 10"/>
-          <p:cNvCxnSpPr/>
-          <p:nvPr/>
-        </p:nvCxnSpPr>
-        <p:spPr>
-          <a:xfrm>
-            <a:off x="4082515" y="5455459"/>
-            <a:ext cx="1171103" cy="0"/>
-          </a:xfrm>
-          <a:prstGeom prst="line">
-            <a:avLst/>
-          </a:prstGeom>
-        </p:spPr>
-        <p:style>
-          <a:lnRef idx="2">
-            <a:schemeClr val="accent1"/>
-          </a:lnRef>
-          <a:fillRef idx="0">
-            <a:schemeClr val="accent1"/>
-          </a:fillRef>
-          <a:effectRef idx="1">
-            <a:schemeClr val="accent1"/>
-          </a:effectRef>
-          <a:fontRef idx="minor">
-            <a:schemeClr val="tx1"/>
-          </a:fontRef>
-        </p:style>
-      </p:cxnSp>
-      <p:sp>
-        <p:nvSpPr>
-          <p:cNvPr id="16" name="TextBox 15"/>
-          <p:cNvSpPr txBox="1"/>
-          <p:nvPr/>
-        </p:nvSpPr>
-        <p:spPr>
-          <a:xfrm>
-            <a:off x="4100698" y="5012466"/>
-            <a:ext cx="1219756" cy="461665"/>
-          </a:xfrm>
-          <a:prstGeom prst="rect">
-            <a:avLst/>
-          </a:prstGeom>
-          <a:noFill/>
-        </p:spPr>
-        <p:txBody>
-          <a:bodyPr wrap="square" rtlCol="0">
-            <a:spAutoFit/>
-          </a:bodyPr>
-          <a:lstStyle/>
-          <a:p>
-            <a:r>
-              <a:rPr lang="en-US" sz="2400" dirty="0" smtClean="0"/>
-              <a:t>RS + RA</a:t>
-            </a:r>
-            <a:endParaRPr lang="en-US" sz="2400" dirty="0"/>
-          </a:p>
-        </p:txBody>
-      </p:sp>
-      <p:sp>
-        <p:nvSpPr>
-          <p:cNvPr id="21" name="TextBox 20"/>
-          <p:cNvSpPr txBox="1"/>
-          <p:nvPr/>
-        </p:nvSpPr>
-        <p:spPr>
-          <a:xfrm>
-            <a:off x="4441207" y="5395698"/>
-            <a:ext cx="1219756" cy="461665"/>
-          </a:xfrm>
-          <a:prstGeom prst="rect">
-            <a:avLst/>
-          </a:prstGeom>
-          <a:noFill/>
-        </p:spPr>
-        <p:txBody>
-          <a:bodyPr wrap="square" rtlCol="0">
-            <a:spAutoFit/>
-          </a:bodyPr>
-          <a:lstStyle/>
-          <a:p>
-            <a:r>
-              <a:rPr lang="en-US" sz="2400" dirty="0" smtClean="0"/>
-              <a:t>G</a:t>
-            </a:r>
-            <a:endParaRPr lang="en-US" sz="2400" dirty="0"/>
+              <a:rPr lang="en-US" dirty="0" smtClean="0"/>
+              <a:t>Runs </a:t>
+            </a:r>
+            <a:r>
+              <a:rPr lang="en-US" baseline="-25000" dirty="0" smtClean="0"/>
+              <a:t>projected</a:t>
+            </a:r>
+            <a:r>
+              <a:rPr lang="en-US" dirty="0" smtClean="0"/>
+              <a:t> = (162/G – 1)  *  TB</a:t>
+            </a:r>
+            <a:r>
+              <a:rPr lang="en-US" baseline="30000" dirty="0" smtClean="0"/>
+              <a:t>+</a:t>
+            </a:r>
+            <a:r>
+              <a:rPr lang="en-US" dirty="0" smtClean="0"/>
+              <a:t>/</a:t>
+            </a:r>
+            <a:r>
+              <a:rPr lang="en-US" dirty="0" err="1" smtClean="0"/>
+              <a:t>Eff</a:t>
+            </a:r>
+            <a:r>
+              <a:rPr lang="en-US" baseline="-25000" dirty="0" err="1" smtClean="0"/>
+              <a:t>proj</a:t>
+            </a:r>
+            <a:endParaRPr lang="en-US" dirty="0"/>
           </a:p>
         </p:txBody>
       </p:sp>
     </p:spTree>
     <p:extLst>
       <p:ext uri="{BB962C8B-B14F-4D97-AF65-F5344CB8AC3E}">
-        <p14:creationId xmlns:p14="http://schemas.microsoft.com/office/powerpoint/2010/main" val="980279634"/>
+        <p14:creationId xmlns:p14="http://schemas.microsoft.com/office/powerpoint/2010/main" val="3061178980"/>
       </p:ext>
     </p:extLst>
   </p:cSld>
